--- a/EPAM_RD_LAB_AJAX.pptx
+++ b/EPAM_RD_LAB_AJAX.pptx
@@ -6,10 +6,10 @@
     <p:sldMasterId id="2147483730" r:id="rId5"/>
   </p:sldMasterIdLst>
   <p:notesMasterIdLst>
-    <p:notesMasterId r:id="rId33"/>
+    <p:notesMasterId r:id="rId34"/>
   </p:notesMasterIdLst>
   <p:handoutMasterIdLst>
-    <p:handoutMasterId r:id="rId34"/>
+    <p:handoutMasterId r:id="rId35"/>
   </p:handoutMasterIdLst>
   <p:sldIdLst>
     <p:sldId id="449" r:id="rId6"/>
@@ -36,9 +36,10 @@
     <p:sldId id="475" r:id="rId27"/>
     <p:sldId id="482" r:id="rId28"/>
     <p:sldId id="483" r:id="rId29"/>
-    <p:sldId id="476" r:id="rId30"/>
-    <p:sldId id="478" r:id="rId31"/>
-    <p:sldId id="477" r:id="rId32"/>
+    <p:sldId id="484" r:id="rId30"/>
+    <p:sldId id="476" r:id="rId31"/>
+    <p:sldId id="478" r:id="rId32"/>
+    <p:sldId id="477" r:id="rId33"/>
   </p:sldIdLst>
   <p:sldSz cx="9144000" cy="6858000" type="screen4x3"/>
   <p:notesSz cx="6858000" cy="9144000"/>
@@ -170,6 +171,7 @@
             <p14:sldId id="475"/>
             <p14:sldId id="482"/>
             <p14:sldId id="483"/>
+            <p14:sldId id="484"/>
             <p14:sldId id="476"/>
             <p14:sldId id="478"/>
             <p14:sldId id="477"/>
@@ -3156,7 +3158,11 @@
             </a:r>
             <a:r>
               <a:rPr lang="en-US" baseline="0" dirty="0" smtClean="0"/>
-              <a:t> header</a:t>
+              <a:t> </a:t>
+            </a:r>
+            <a:r>
+              <a:rPr lang="en-US" baseline="0" dirty="0" smtClean="0"/>
+              <a:t>header</a:t>
             </a:r>
           </a:p>
           <a:p>
@@ -3177,7 +3183,7 @@
           </a:p>
           <a:p>
             <a:r>
-              <a:rPr lang="en-US" sz="1200" b="0" i="0" kern="1200" smtClean="0">
+              <a:rPr lang="en-US" sz="1200" b="0" i="0" kern="1200" dirty="0" smtClean="0">
                 <a:solidFill>
                   <a:schemeClr val="tx1"/>
                 </a:solidFill>
@@ -3272,7 +3278,38 @@
           <a:bodyPr/>
           <a:lstStyle/>
           <a:p>
-            <a:endParaRPr lang="en-US"/>
+            <a:r>
+              <a:rPr lang="en-US" dirty="0" smtClean="0"/>
+              <a:t>And</a:t>
+            </a:r>
+            <a:r>
+              <a:rPr lang="en-US" baseline="0" dirty="0" smtClean="0"/>
+              <a:t> its </a:t>
+            </a:r>
+            <a:r>
+              <a:rPr lang="en-US" baseline="0" dirty="0" err="1" smtClean="0"/>
+              <a:t>shorthands</a:t>
+            </a:r>
+            <a:endParaRPr lang="en-US" baseline="0" dirty="0" smtClean="0"/>
+          </a:p>
+          <a:p>
+            <a:endParaRPr lang="en-US" baseline="0" dirty="0" smtClean="0"/>
+          </a:p>
+          <a:p>
+            <a:r>
+              <a:rPr lang="en-US" baseline="0" dirty="0" smtClean="0"/>
+              <a:t>$resource is over $http</a:t>
+            </a:r>
+          </a:p>
+          <a:p>
+            <a:endParaRPr lang="en-US" baseline="0" dirty="0" smtClean="0"/>
+          </a:p>
+          <a:p>
+            <a:r>
+              <a:rPr lang="en-US" baseline="0" smtClean="0"/>
+              <a:t>XHR everywhere</a:t>
+            </a:r>
+            <a:endParaRPr lang="en-US" dirty="0"/>
           </a:p>
         </p:txBody>
       </p:sp>
@@ -3302,7 +3339,7 @@
     </p:spTree>
     <p:extLst>
       <p:ext uri="{BB962C8B-B14F-4D97-AF65-F5344CB8AC3E}">
-        <p14:creationId xmlns:p14="http://schemas.microsoft.com/office/powerpoint/2010/main" val="4042167025"/>
+        <p14:creationId xmlns:p14="http://schemas.microsoft.com/office/powerpoint/2010/main" val="2232618430"/>
       </p:ext>
     </p:extLst>
   </p:cSld>
@@ -3356,11 +3393,7 @@
           <a:bodyPr/>
           <a:lstStyle/>
           <a:p>
-            <a:r>
-              <a:rPr lang="en-US" dirty="0" smtClean="0"/>
-              <a:t>Q&amp;A</a:t>
-            </a:r>
-            <a:endParaRPr lang="en-US" dirty="0"/>
+            <a:endParaRPr lang="en-US"/>
           </a:p>
         </p:txBody>
       </p:sp>
@@ -3390,7 +3423,7 @@
     </p:spTree>
     <p:extLst>
       <p:ext uri="{BB962C8B-B14F-4D97-AF65-F5344CB8AC3E}">
-        <p14:creationId xmlns:p14="http://schemas.microsoft.com/office/powerpoint/2010/main" val="3246694560"/>
+        <p14:creationId xmlns:p14="http://schemas.microsoft.com/office/powerpoint/2010/main" val="4042167025"/>
       </p:ext>
     </p:extLst>
   </p:cSld>
@@ -3444,6 +3477,10 @@
           <a:bodyPr/>
           <a:lstStyle/>
           <a:p>
+            <a:r>
+              <a:rPr lang="en-US" dirty="0" smtClean="0"/>
+              <a:t>Q&amp;A</a:t>
+            </a:r>
             <a:endParaRPr lang="en-US" dirty="0"/>
           </a:p>
         </p:txBody>
@@ -3466,6 +3503,90 @@
             <a:fld id="{7AE90029-A909-AD4E-9775-A0D64990AD22}" type="slidenum">
               <a:rPr lang="en-US" smtClean="0"/>
               <a:t>27</a:t>
+            </a:fld>
+            <a:endParaRPr lang="en-US"/>
+          </a:p>
+        </p:txBody>
+      </p:sp>
+    </p:spTree>
+    <p:extLst>
+      <p:ext uri="{BB962C8B-B14F-4D97-AF65-F5344CB8AC3E}">
+        <p14:creationId xmlns:p14="http://schemas.microsoft.com/office/powerpoint/2010/main" val="3246694560"/>
+      </p:ext>
+    </p:extLst>
+  </p:cSld>
+  <p:clrMapOvr>
+    <a:masterClrMapping/>
+  </p:clrMapOvr>
+</p:notes>
+</file>
+
+<file path=ppt/notesSlides/notesSlide26.xml><?xml version="1.0" encoding="utf-8"?>
+<p:notes xmlns:a="http://schemas.openxmlformats.org/drawingml/2006/main" xmlns:r="http://schemas.openxmlformats.org/officeDocument/2006/relationships" xmlns:p="http://schemas.openxmlformats.org/presentationml/2006/main">
+  <p:cSld>
+    <p:spTree>
+      <p:nvGrpSpPr>
+        <p:cNvPr id="1" name=""/>
+        <p:cNvGrpSpPr/>
+        <p:nvPr/>
+      </p:nvGrpSpPr>
+      <p:grpSpPr>
+        <a:xfrm>
+          <a:off x="0" y="0"/>
+          <a:ext cx="0" cy="0"/>
+          <a:chOff x="0" y="0"/>
+          <a:chExt cx="0" cy="0"/>
+        </a:xfrm>
+      </p:grpSpPr>
+      <p:sp>
+        <p:nvSpPr>
+          <p:cNvPr id="2" name="Slide Image Placeholder 1"/>
+          <p:cNvSpPr>
+            <a:spLocks noGrp="1" noRot="1" noChangeAspect="1"/>
+          </p:cNvSpPr>
+          <p:nvPr>
+            <p:ph type="sldImg"/>
+          </p:nvPr>
+        </p:nvSpPr>
+        <p:spPr/>
+      </p:sp>
+      <p:sp>
+        <p:nvSpPr>
+          <p:cNvPr id="3" name="Notes Placeholder 2"/>
+          <p:cNvSpPr>
+            <a:spLocks noGrp="1"/>
+          </p:cNvSpPr>
+          <p:nvPr>
+            <p:ph type="body" idx="1"/>
+          </p:nvPr>
+        </p:nvSpPr>
+        <p:spPr/>
+        <p:txBody>
+          <a:bodyPr/>
+          <a:lstStyle/>
+          <a:p>
+            <a:endParaRPr lang="en-US" dirty="0"/>
+          </a:p>
+        </p:txBody>
+      </p:sp>
+      <p:sp>
+        <p:nvSpPr>
+          <p:cNvPr id="4" name="Slide Number Placeholder 3"/>
+          <p:cNvSpPr>
+            <a:spLocks noGrp="1"/>
+          </p:cNvSpPr>
+          <p:nvPr>
+            <p:ph type="sldNum" sz="quarter" idx="10"/>
+          </p:nvPr>
+        </p:nvSpPr>
+        <p:spPr/>
+        <p:txBody>
+          <a:bodyPr/>
+          <a:lstStyle/>
+          <a:p>
+            <a:fld id="{7AE90029-A909-AD4E-9775-A0D64990AD22}" type="slidenum">
+              <a:rPr lang="en-US" smtClean="0"/>
+              <a:t>28</a:t>
             </a:fld>
             <a:endParaRPr lang="en-US"/>
           </a:p>
@@ -28197,7 +28318,7 @@
         <p:spPr>
           <a:xfrm>
             <a:off x="356616" y="2590800"/>
-            <a:ext cx="6402715" cy="3554819"/>
+            <a:ext cx="8624669" cy="2862322"/>
           </a:xfrm>
           <a:prstGeom prst="rect">
             <a:avLst/>
@@ -28225,8 +28346,25 @@
                 <a:latin typeface="Trebuchet MS"/>
                 <a:cs typeface="Trebuchet MS"/>
               </a:rPr>
-              <a:t>User works with his mail</a:t>
-            </a:r>
+              <a:t>User works with his </a:t>
+            </a:r>
+            <a:r>
+              <a:rPr lang="en-US" dirty="0" smtClean="0">
+                <a:solidFill>
+                  <a:srgbClr val="444444"/>
+                </a:solidFill>
+                <a:latin typeface="Trebuchet MS"/>
+                <a:cs typeface="Trebuchet MS"/>
+              </a:rPr>
+              <a:t>online bank account</a:t>
+            </a:r>
+            <a:endParaRPr lang="en-US" dirty="0" smtClean="0">
+              <a:solidFill>
+                <a:srgbClr val="444444"/>
+              </a:solidFill>
+              <a:latin typeface="Trebuchet MS"/>
+              <a:cs typeface="Trebuchet MS"/>
+            </a:endParaRPr>
           </a:p>
           <a:p>
             <a:pPr marL="342900" indent="-342900">
@@ -28244,7 +28382,37 @@
                 <a:latin typeface="Trebuchet MS"/>
                 <a:cs typeface="Trebuchet MS"/>
               </a:rPr>
-              <a:t>Goes to the forum and click a “link” from someone</a:t>
+              <a:t>On </a:t>
+            </a:r>
+            <a:r>
+              <a:rPr lang="en-US" dirty="0" smtClean="0">
+                <a:solidFill>
+                  <a:srgbClr val="444444"/>
+                </a:solidFill>
+                <a:latin typeface="Trebuchet MS"/>
+                <a:cs typeface="Trebuchet MS"/>
+              </a:rPr>
+              <a:t>the forum </a:t>
+            </a:r>
+            <a:r>
+              <a:rPr lang="en-US" dirty="0" smtClean="0">
+                <a:solidFill>
+                  <a:srgbClr val="444444"/>
+                </a:solidFill>
+                <a:latin typeface="Trebuchet MS"/>
+                <a:cs typeface="Trebuchet MS"/>
+              </a:rPr>
+              <a:t>he clicks </a:t>
+            </a:r>
+            <a:r>
+              <a:rPr lang="en-US" dirty="0" smtClean="0">
+                <a:solidFill>
+                  <a:srgbClr val="444444"/>
+                </a:solidFill>
+                <a:latin typeface="Trebuchet MS"/>
+                <a:cs typeface="Trebuchet MS"/>
+              </a:rPr>
+              <a:t>a “link” from someone</a:t>
             </a:r>
           </a:p>
           <a:p>
@@ -28263,17 +28431,8 @@
                 <a:latin typeface="Trebuchet MS"/>
                 <a:cs typeface="Trebuchet MS"/>
               </a:rPr>
-              <a:t>Link do some operations on the mail site from the #1</a:t>
-            </a:r>
-          </a:p>
-          <a:p>
-            <a:pPr marL="342900" indent="-342900">
-              <a:lnSpc>
-                <a:spcPct val="250000"/>
-              </a:lnSpc>
-              <a:buFont typeface="+mj-lt"/>
-              <a:buAutoNum type="arabicPeriod"/>
-            </a:pPr>
+              <a:t>Link do </a:t>
+            </a:r>
             <a:r>
               <a:rPr lang="en-US" dirty="0" smtClean="0">
                 <a:solidFill>
@@ -28282,8 +28441,55 @@
                 <a:latin typeface="Trebuchet MS"/>
                 <a:cs typeface="Trebuchet MS"/>
               </a:rPr>
-              <a:t>All of the contacts of the user get spam from his address</a:t>
-            </a:r>
+              <a:t>some bad </a:t>
+            </a:r>
+            <a:r>
+              <a:rPr lang="en-US" dirty="0" smtClean="0">
+                <a:solidFill>
+                  <a:srgbClr val="444444"/>
+                </a:solidFill>
+                <a:latin typeface="Trebuchet MS"/>
+                <a:cs typeface="Trebuchet MS"/>
+              </a:rPr>
+              <a:t>operations on the </a:t>
+            </a:r>
+            <a:r>
+              <a:rPr lang="en-US" dirty="0" smtClean="0">
+                <a:solidFill>
+                  <a:srgbClr val="444444"/>
+                </a:solidFill>
+                <a:latin typeface="Trebuchet MS"/>
+                <a:cs typeface="Trebuchet MS"/>
+              </a:rPr>
+              <a:t>bank </a:t>
+            </a:r>
+            <a:r>
+              <a:rPr lang="en-US" dirty="0" smtClean="0">
+                <a:solidFill>
+                  <a:srgbClr val="444444"/>
+                </a:solidFill>
+                <a:latin typeface="Trebuchet MS"/>
+                <a:cs typeface="Trebuchet MS"/>
+              </a:rPr>
+              <a:t>site from the #</a:t>
+            </a:r>
+            <a:r>
+              <a:rPr lang="en-US" dirty="0" smtClean="0">
+                <a:solidFill>
+                  <a:srgbClr val="444444"/>
+                </a:solidFill>
+                <a:latin typeface="Trebuchet MS"/>
+                <a:cs typeface="Trebuchet MS"/>
+              </a:rPr>
+              <a:t>1 from user’s account</a:t>
+            </a:r>
+            <a:endParaRPr lang="en-US" dirty="0" smtClean="0">
+              <a:solidFill>
+                <a:srgbClr val="444444"/>
+              </a:solidFill>
+              <a:latin typeface="Trebuchet MS"/>
+              <a:cs typeface="Trebuchet MS"/>
+            </a:endParaRPr>
           </a:p>
           <a:p>
             <a:pPr>
@@ -28499,11 +28705,7 @@
           <a:p>
             <a:r>
               <a:rPr lang="en-US" dirty="0" smtClean="0"/>
-              <a:t>CSRF. </a:t>
-            </a:r>
-            <a:r>
-              <a:rPr lang="en-US" dirty="0" smtClean="0"/>
-              <a:t>DEFENCE</a:t>
+              <a:t>CSRF. DEFENCE</a:t>
             </a:r>
             <a:endParaRPr lang="en-US" dirty="0"/>
           </a:p>
@@ -28518,7 +28720,7 @@
         <p:spPr>
           <a:xfrm>
             <a:off x="222738" y="1195754"/>
-            <a:ext cx="4977453" cy="840230"/>
+            <a:ext cx="5698996" cy="4995214"/>
           </a:xfrm>
           <a:prstGeom prst="rect">
             <a:avLst/>
@@ -28545,17 +28747,7 @@
                 <a:latin typeface="Trebuchet MS"/>
                 <a:cs typeface="Trebuchet MS"/>
               </a:rPr>
-              <a:t>Verify the content of th</a:t>
-            </a:r>
-            <a:r>
-              <a:rPr lang="en-US" dirty="0" smtClean="0">
-                <a:solidFill>
-                  <a:srgbClr val="444444"/>
-                </a:solidFill>
-                <a:latin typeface="Trebuchet MS"/>
-                <a:cs typeface="Trebuchet MS"/>
-              </a:rPr>
-              <a:t>e “</a:t>
+              <a:t>Verify the content of the “</a:t>
             </a:r>
             <a:r>
               <a:rPr lang="en-US" dirty="0" err="1" smtClean="0">
@@ -28593,9 +28785,289 @@
                 <a:latin typeface="Trebuchet MS"/>
                 <a:cs typeface="Trebuchet MS"/>
               </a:rPr>
-              <a:t>Use unique identifier</a:t>
-            </a:r>
+              <a:t>Use unique </a:t>
+            </a:r>
+            <a:r>
+              <a:rPr lang="en-US" dirty="0" smtClean="0">
+                <a:solidFill>
+                  <a:srgbClr val="444444"/>
+                </a:solidFill>
+                <a:latin typeface="Trebuchet MS"/>
+                <a:cs typeface="Trebuchet MS"/>
+              </a:rPr>
+              <a:t>identifier</a:t>
+            </a:r>
+          </a:p>
+          <a:p>
+            <a:pPr marL="342900" indent="-342900">
+              <a:lnSpc>
+                <a:spcPct val="150000"/>
+              </a:lnSpc>
+              <a:buAutoNum type="arabicPeriod"/>
+            </a:pPr>
             <a:endParaRPr lang="en-US" dirty="0">
+              <a:solidFill>
+                <a:srgbClr val="444444"/>
+              </a:solidFill>
+              <a:latin typeface="Trebuchet MS"/>
+              <a:cs typeface="Trebuchet MS"/>
+            </a:endParaRPr>
+          </a:p>
+          <a:p>
+            <a:pPr marL="342900" indent="-342900">
+              <a:lnSpc>
+                <a:spcPct val="150000"/>
+              </a:lnSpc>
+              <a:buAutoNum type="arabicPeriod"/>
+            </a:pPr>
+            <a:endParaRPr lang="en-US" dirty="0" smtClean="0">
+              <a:solidFill>
+                <a:srgbClr val="444444"/>
+              </a:solidFill>
+              <a:latin typeface="Trebuchet MS"/>
+              <a:cs typeface="Trebuchet MS"/>
+            </a:endParaRPr>
+          </a:p>
+          <a:p>
+            <a:pPr marL="342900" indent="-342900">
+              <a:lnSpc>
+                <a:spcPct val="150000"/>
+              </a:lnSpc>
+              <a:buAutoNum type="arabicPeriod"/>
+            </a:pPr>
+            <a:endParaRPr lang="en-US" dirty="0">
+              <a:solidFill>
+                <a:srgbClr val="444444"/>
+              </a:solidFill>
+              <a:latin typeface="Trebuchet MS"/>
+              <a:cs typeface="Trebuchet MS"/>
+            </a:endParaRPr>
+          </a:p>
+          <a:p>
+            <a:pPr marL="342900" indent="-342900">
+              <a:lnSpc>
+                <a:spcPct val="150000"/>
+              </a:lnSpc>
+              <a:buAutoNum type="arabicPeriod"/>
+            </a:pPr>
+            <a:endParaRPr lang="en-US" dirty="0" smtClean="0">
+              <a:solidFill>
+                <a:srgbClr val="444444"/>
+              </a:solidFill>
+              <a:latin typeface="Trebuchet MS"/>
+              <a:cs typeface="Trebuchet MS"/>
+            </a:endParaRPr>
+          </a:p>
+          <a:p>
+            <a:pPr marL="342900" indent="-342900">
+              <a:lnSpc>
+                <a:spcPct val="150000"/>
+              </a:lnSpc>
+              <a:buAutoNum type="arabicPeriod"/>
+            </a:pPr>
+            <a:endParaRPr lang="en-US" dirty="0">
+              <a:solidFill>
+                <a:srgbClr val="444444"/>
+              </a:solidFill>
+              <a:latin typeface="Trebuchet MS"/>
+              <a:cs typeface="Trebuchet MS"/>
+            </a:endParaRPr>
+          </a:p>
+          <a:p>
+            <a:pPr marL="342900" indent="-342900">
+              <a:lnSpc>
+                <a:spcPct val="150000"/>
+              </a:lnSpc>
+              <a:buAutoNum type="arabicPeriod"/>
+            </a:pPr>
+            <a:endParaRPr lang="en-US" dirty="0" smtClean="0">
+              <a:solidFill>
+                <a:srgbClr val="444444"/>
+              </a:solidFill>
+              <a:latin typeface="Trebuchet MS"/>
+              <a:cs typeface="Trebuchet MS"/>
+            </a:endParaRPr>
+          </a:p>
+          <a:p>
+            <a:pPr marL="342900" indent="-342900">
+              <a:lnSpc>
+                <a:spcPct val="150000"/>
+              </a:lnSpc>
+              <a:buAutoNum type="arabicPeriod"/>
+            </a:pPr>
+            <a:endParaRPr lang="en-US" dirty="0">
+              <a:solidFill>
+                <a:srgbClr val="444444"/>
+              </a:solidFill>
+              <a:latin typeface="Trebuchet MS"/>
+              <a:cs typeface="Trebuchet MS"/>
+            </a:endParaRPr>
+          </a:p>
+          <a:p>
+            <a:pPr marL="342900" indent="-342900">
+              <a:lnSpc>
+                <a:spcPct val="150000"/>
+              </a:lnSpc>
+              <a:buAutoNum type="arabicPeriod"/>
+            </a:pPr>
+            <a:endParaRPr lang="en-US" dirty="0" smtClean="0">
+              <a:solidFill>
+                <a:srgbClr val="444444"/>
+              </a:solidFill>
+              <a:latin typeface="Trebuchet MS"/>
+              <a:cs typeface="Trebuchet MS"/>
+            </a:endParaRPr>
+          </a:p>
+          <a:p>
+            <a:pPr marL="342900" indent="-342900">
+              <a:lnSpc>
+                <a:spcPct val="150000"/>
+              </a:lnSpc>
+              <a:buFontTx/>
+              <a:buAutoNum type="arabicPeriod"/>
+            </a:pPr>
+            <a:r>
+              <a:rPr lang="en-US" dirty="0"/>
+              <a:t>Alternate CSRF Defense: Require User Interaction</a:t>
+            </a:r>
+          </a:p>
+          <a:p>
+            <a:pPr>
+              <a:lnSpc>
+                <a:spcPct val="150000"/>
+              </a:lnSpc>
+            </a:pPr>
+            <a:endParaRPr lang="en-US" dirty="0">
+              <a:solidFill>
+                <a:srgbClr val="444444"/>
+              </a:solidFill>
+              <a:latin typeface="Trebuchet MS"/>
+              <a:cs typeface="Trebuchet MS"/>
+            </a:endParaRPr>
+          </a:p>
+        </p:txBody>
+      </p:sp>
+      <p:sp>
+        <p:nvSpPr>
+          <p:cNvPr id="3" name="TextBox 2"/>
+          <p:cNvSpPr txBox="1"/>
+          <p:nvPr/>
+        </p:nvSpPr>
+        <p:spPr>
+          <a:xfrm>
+            <a:off x="627184" y="2035984"/>
+            <a:ext cx="7889631" cy="3323987"/>
+          </a:xfrm>
+          <a:prstGeom prst="rect">
+            <a:avLst/>
+          </a:prstGeom>
+          <a:noFill/>
+        </p:spPr>
+        <p:txBody>
+          <a:bodyPr wrap="square" rtlCol="0">
+            <a:spAutoFit/>
+          </a:bodyPr>
+          <a:lstStyle/>
+          <a:p>
+            <a:pPr marL="285750" indent="-285750">
+              <a:lnSpc>
+                <a:spcPct val="150000"/>
+              </a:lnSpc>
+              <a:buFont typeface="Arial" panose="020B0604020202020204" pitchFamily="34" charset="0"/>
+              <a:buChar char="•"/>
+            </a:pPr>
+            <a:r>
+              <a:rPr lang="en-US" sz="1400" dirty="0"/>
+              <a:t>Any state changing operation requires a secure random token (e.g., CSRF token) to prevent CSRF attacks</a:t>
+            </a:r>
+          </a:p>
+          <a:p>
+            <a:pPr marL="285750" indent="-285750">
+              <a:lnSpc>
+                <a:spcPct val="150000"/>
+              </a:lnSpc>
+              <a:buFont typeface="Arial" panose="020B0604020202020204" pitchFamily="34" charset="0"/>
+              <a:buChar char="•"/>
+            </a:pPr>
+            <a:r>
+              <a:rPr lang="en-US" sz="1400" dirty="0"/>
+              <a:t>Characteristics of a CSRF Token</a:t>
+            </a:r>
+          </a:p>
+          <a:p>
+            <a:pPr marL="742950" lvl="1" indent="-285750">
+              <a:lnSpc>
+                <a:spcPct val="150000"/>
+              </a:lnSpc>
+              <a:buFont typeface="Arial" panose="020B0604020202020204" pitchFamily="34" charset="0"/>
+              <a:buChar char="•"/>
+            </a:pPr>
+            <a:r>
+              <a:rPr lang="en-US" sz="1400" dirty="0"/>
+              <a:t>Unique per user session</a:t>
+            </a:r>
+          </a:p>
+          <a:p>
+            <a:pPr marL="742950" lvl="1" indent="-285750">
+              <a:lnSpc>
+                <a:spcPct val="150000"/>
+              </a:lnSpc>
+              <a:buFont typeface="Arial" panose="020B0604020202020204" pitchFamily="34" charset="0"/>
+              <a:buChar char="•"/>
+            </a:pPr>
+            <a:r>
+              <a:rPr lang="en-US" sz="1400" dirty="0"/>
+              <a:t>Large random value</a:t>
+            </a:r>
+          </a:p>
+          <a:p>
+            <a:pPr marL="742950" lvl="1" indent="-285750">
+              <a:lnSpc>
+                <a:spcPct val="150000"/>
+              </a:lnSpc>
+              <a:buFont typeface="Arial" panose="020B0604020202020204" pitchFamily="34" charset="0"/>
+              <a:buChar char="•"/>
+            </a:pPr>
+            <a:r>
+              <a:rPr lang="en-US" sz="1400" dirty="0"/>
+              <a:t>Generated by a cryptographically secure random number generator</a:t>
+            </a:r>
+          </a:p>
+          <a:p>
+            <a:pPr marL="285750" indent="-285750">
+              <a:lnSpc>
+                <a:spcPct val="150000"/>
+              </a:lnSpc>
+              <a:buFont typeface="Arial" panose="020B0604020202020204" pitchFamily="34" charset="0"/>
+              <a:buChar char="•"/>
+            </a:pPr>
+            <a:r>
+              <a:rPr lang="en-US" sz="1400" dirty="0"/>
+              <a:t>The CSRF token is added as a hidden field for forms or within the URL if the state changing operation occurs via a GET</a:t>
+            </a:r>
+          </a:p>
+          <a:p>
+            <a:pPr marL="285750" indent="-285750">
+              <a:lnSpc>
+                <a:spcPct val="150000"/>
+              </a:lnSpc>
+              <a:buFont typeface="Arial" panose="020B0604020202020204" pitchFamily="34" charset="0"/>
+              <a:buChar char="•"/>
+            </a:pPr>
+            <a:r>
+              <a:rPr lang="en-US" sz="1400" dirty="0"/>
+              <a:t>The server rejects the requested action if the CSRF token fails validation</a:t>
+            </a:r>
+          </a:p>
+          <a:p>
+            <a:pPr marL="285750" indent="-285750">
+              <a:lnSpc>
+                <a:spcPct val="150000"/>
+              </a:lnSpc>
+              <a:buFont typeface="Arial" panose="020B0604020202020204" pitchFamily="34" charset="0"/>
+              <a:buChar char="•"/>
+            </a:pPr>
+            <a:endParaRPr lang="en-US" sz="1400" dirty="0" err="1">
               <a:solidFill>
                 <a:srgbClr val="444444"/>
               </a:solidFill>
@@ -28618,9 +29090,88 @@
   <p:timing>
     <p:tnLst>
       <p:par>
-        <p:cTn id="1" dur="indefinite" restart="never" nodeType="tmRoot"/>
+        <p:cTn id="1" dur="indefinite" restart="never" nodeType="tmRoot">
+          <p:childTnLst>
+            <p:seq concurrent="1" nextAc="seek">
+              <p:cTn id="2" dur="indefinite" nodeType="mainSeq">
+                <p:childTnLst>
+                  <p:par>
+                    <p:cTn id="3" fill="hold">
+                      <p:stCondLst>
+                        <p:cond delay="indefinite"/>
+                      </p:stCondLst>
+                      <p:childTnLst>
+                        <p:par>
+                          <p:cTn id="4" fill="hold">
+                            <p:stCondLst>
+                              <p:cond delay="0"/>
+                            </p:stCondLst>
+                            <p:childTnLst>
+                              <p:par>
+                                <p:cTn id="5" presetID="10" presetClass="entr" presetSubtype="0" fill="hold" grpId="0" nodeType="clickEffect">
+                                  <p:stCondLst>
+                                    <p:cond delay="0"/>
+                                  </p:stCondLst>
+                                  <p:childTnLst>
+                                    <p:set>
+                                      <p:cBhvr>
+                                        <p:cTn id="6" dur="1" fill="hold">
+                                          <p:stCondLst>
+                                            <p:cond delay="0"/>
+                                          </p:stCondLst>
+                                        </p:cTn>
+                                        <p:tgtEl>
+                                          <p:spTgt spid="3"/>
+                                        </p:tgtEl>
+                                        <p:attrNameLst>
+                                          <p:attrName>style.visibility</p:attrName>
+                                        </p:attrNameLst>
+                                      </p:cBhvr>
+                                      <p:to>
+                                        <p:strVal val="visible"/>
+                                      </p:to>
+                                    </p:set>
+                                    <p:animEffect transition="in" filter="fade">
+                                      <p:cBhvr>
+                                        <p:cTn id="7" dur="500"/>
+                                        <p:tgtEl>
+                                          <p:spTgt spid="3"/>
+                                        </p:tgtEl>
+                                      </p:cBhvr>
+                                    </p:animEffect>
+                                  </p:childTnLst>
+                                </p:cTn>
+                              </p:par>
+                            </p:childTnLst>
+                          </p:cTn>
+                        </p:par>
+                      </p:childTnLst>
+                    </p:cTn>
+                  </p:par>
+                </p:childTnLst>
+              </p:cTn>
+              <p:prevCondLst>
+                <p:cond evt="onPrev" delay="0">
+                  <p:tgtEl>
+                    <p:sldTgt/>
+                  </p:tgtEl>
+                </p:cond>
+              </p:prevCondLst>
+              <p:nextCondLst>
+                <p:cond evt="onNext" delay="0">
+                  <p:tgtEl>
+                    <p:sldTgt/>
+                  </p:tgtEl>
+                </p:cond>
+              </p:nextCondLst>
+            </p:seq>
+          </p:childTnLst>
+        </p:cTn>
       </p:par>
     </p:tnLst>
+    <p:bldLst>
+      <p:bldP spid="3" grpId="0"/>
+    </p:bldLst>
   </p:timing>
 </p:sld>
 </file>
@@ -28663,6 +29214,362 @@
       </p:sp>
       <p:sp>
         <p:nvSpPr>
+          <p:cNvPr id="4" name="Text Placeholder 3"/>
+          <p:cNvSpPr>
+            <a:spLocks noGrp="1"/>
+          </p:cNvSpPr>
+          <p:nvPr>
+            <p:ph type="body" sz="quarter" idx="11"/>
+          </p:nvPr>
+        </p:nvSpPr>
+        <p:spPr/>
+        <p:txBody>
+          <a:bodyPr/>
+          <a:lstStyle/>
+          <a:p>
+            <a:r>
+              <a:rPr lang="en-US" dirty="0" smtClean="0"/>
+              <a:t>AJAX in (FRAMEWORKS &amp;&amp; LIBRARIES)</a:t>
+            </a:r>
+            <a:endParaRPr lang="en-US" dirty="0"/>
+          </a:p>
+        </p:txBody>
+      </p:sp>
+      <p:sp>
+        <p:nvSpPr>
+          <p:cNvPr id="7" name="TextBox 6"/>
+          <p:cNvSpPr txBox="1"/>
+          <p:nvPr/>
+        </p:nvSpPr>
+        <p:spPr>
+          <a:xfrm>
+            <a:off x="1195755" y="1172308"/>
+            <a:ext cx="7010400" cy="5272213"/>
+          </a:xfrm>
+          <a:prstGeom prst="rect">
+            <a:avLst/>
+          </a:prstGeom>
+          <a:noFill/>
+        </p:spPr>
+        <p:txBody>
+          <a:bodyPr wrap="square" rtlCol="0">
+            <a:spAutoFit/>
+          </a:bodyPr>
+          <a:lstStyle/>
+          <a:p>
+            <a:pPr marL="285750" indent="-285750">
+              <a:lnSpc>
+                <a:spcPct val="150000"/>
+              </a:lnSpc>
+              <a:buFont typeface="Arial" panose="020B0604020202020204" pitchFamily="34" charset="0"/>
+              <a:buChar char="•"/>
+            </a:pPr>
+            <a:r>
+              <a:rPr lang="en-US" sz="1400" dirty="0" smtClean="0">
+                <a:latin typeface="Comic Sans MS" panose="030F0702030302020204" pitchFamily="66" charset="0"/>
+              </a:rPr>
+              <a:t>jQuery</a:t>
+            </a:r>
+          </a:p>
+          <a:p>
+            <a:pPr marL="742950" lvl="1" indent="-285750">
+              <a:lnSpc>
+                <a:spcPct val="150000"/>
+              </a:lnSpc>
+              <a:buFont typeface="Arial" panose="020B0604020202020204" pitchFamily="34" charset="0"/>
+              <a:buChar char="•"/>
+            </a:pPr>
+            <a:r>
+              <a:rPr lang="en-US" sz="1400" dirty="0" smtClean="0">
+                <a:latin typeface="Comic Sans MS" panose="030F0702030302020204" pitchFamily="66" charset="0"/>
+              </a:rPr>
+              <a:t>.ajax</a:t>
+            </a:r>
+          </a:p>
+          <a:p>
+            <a:pPr marL="285750" indent="-285750">
+              <a:lnSpc>
+                <a:spcPct val="150000"/>
+              </a:lnSpc>
+              <a:buFont typeface="Arial" panose="020B0604020202020204" pitchFamily="34" charset="0"/>
+              <a:buChar char="•"/>
+            </a:pPr>
+            <a:r>
+              <a:rPr lang="en-US" sz="1400" dirty="0" smtClean="0">
+                <a:latin typeface="Comic Sans MS" panose="030F0702030302020204" pitchFamily="66" charset="0"/>
+              </a:rPr>
+              <a:t>Angular 1.x</a:t>
+            </a:r>
+          </a:p>
+          <a:p>
+            <a:pPr marL="742950" lvl="1" indent="-285750">
+              <a:lnSpc>
+                <a:spcPct val="150000"/>
+              </a:lnSpc>
+              <a:buFont typeface="Arial" panose="020B0604020202020204" pitchFamily="34" charset="0"/>
+              <a:buChar char="•"/>
+            </a:pPr>
+            <a:r>
+              <a:rPr lang="en-US" sz="1400" dirty="0" smtClean="0">
+                <a:latin typeface="Comic Sans MS" panose="030F0702030302020204" pitchFamily="66" charset="0"/>
+              </a:rPr>
+              <a:t>$http</a:t>
+            </a:r>
+          </a:p>
+          <a:p>
+            <a:pPr marL="742950" lvl="1" indent="-285750">
+              <a:lnSpc>
+                <a:spcPct val="150000"/>
+              </a:lnSpc>
+              <a:buFont typeface="Arial" panose="020B0604020202020204" pitchFamily="34" charset="0"/>
+              <a:buChar char="•"/>
+            </a:pPr>
+            <a:r>
+              <a:rPr lang="en-US" sz="1400" dirty="0" smtClean="0">
+                <a:latin typeface="Comic Sans MS" panose="030F0702030302020204" pitchFamily="66" charset="0"/>
+              </a:rPr>
+              <a:t>$resource</a:t>
+            </a:r>
+          </a:p>
+          <a:p>
+            <a:pPr marL="285750" indent="-285750">
+              <a:lnSpc>
+                <a:spcPct val="150000"/>
+              </a:lnSpc>
+              <a:buFont typeface="Arial" panose="020B0604020202020204" pitchFamily="34" charset="0"/>
+              <a:buChar char="•"/>
+            </a:pPr>
+            <a:r>
+              <a:rPr lang="en-US" sz="1400" dirty="0" smtClean="0">
+                <a:latin typeface="Comic Sans MS" panose="030F0702030302020204" pitchFamily="66" charset="0"/>
+              </a:rPr>
+              <a:t>Angular 2</a:t>
+            </a:r>
+          </a:p>
+          <a:p>
+            <a:pPr marL="742950" lvl="1" indent="-285750">
+              <a:lnSpc>
+                <a:spcPct val="150000"/>
+              </a:lnSpc>
+              <a:buFont typeface="Arial" panose="020B0604020202020204" pitchFamily="34" charset="0"/>
+              <a:buChar char="•"/>
+            </a:pPr>
+            <a:r>
+              <a:rPr lang="en-US" sz="1400" dirty="0" err="1" smtClean="0">
+                <a:latin typeface="Comic Sans MS" panose="030F0702030302020204" pitchFamily="66" charset="0"/>
+              </a:rPr>
+              <a:t>HttpModule</a:t>
+            </a:r>
+            <a:endParaRPr lang="en-US" sz="1400" dirty="0" smtClean="0">
+              <a:latin typeface="Comic Sans MS" panose="030F0702030302020204" pitchFamily="66" charset="0"/>
+            </a:endParaRPr>
+          </a:p>
+          <a:p>
+            <a:pPr marL="285750" indent="-285750">
+              <a:lnSpc>
+                <a:spcPct val="150000"/>
+              </a:lnSpc>
+              <a:buFont typeface="Arial" panose="020B0604020202020204" pitchFamily="34" charset="0"/>
+              <a:buChar char="•"/>
+            </a:pPr>
+            <a:r>
+              <a:rPr lang="en-US" sz="1400" dirty="0" smtClean="0">
+                <a:latin typeface="Comic Sans MS" panose="030F0702030302020204" pitchFamily="66" charset="0"/>
+              </a:rPr>
+              <a:t>React</a:t>
+            </a:r>
+          </a:p>
+          <a:p>
+            <a:pPr marL="742950" lvl="1" indent="-285750">
+              <a:lnSpc>
+                <a:spcPct val="150000"/>
+              </a:lnSpc>
+              <a:buFont typeface="Arial" panose="020B0604020202020204" pitchFamily="34" charset="0"/>
+              <a:buChar char="•"/>
+            </a:pPr>
+            <a:r>
+              <a:rPr lang="en-US" sz="1400" dirty="0" smtClean="0">
+                <a:latin typeface="Comic Sans MS" panose="030F0702030302020204" pitchFamily="66" charset="0"/>
+              </a:rPr>
+              <a:t>No AJAX</a:t>
+            </a:r>
+          </a:p>
+          <a:p>
+            <a:pPr marL="285750" indent="-285750">
+              <a:lnSpc>
+                <a:spcPct val="150000"/>
+              </a:lnSpc>
+              <a:buFont typeface="Arial" panose="020B0604020202020204" pitchFamily="34" charset="0"/>
+              <a:buChar char="•"/>
+            </a:pPr>
+            <a:r>
+              <a:rPr lang="en-US" sz="1400" dirty="0" err="1" smtClean="0">
+                <a:latin typeface="Comic Sans MS" panose="030F0702030302020204" pitchFamily="66" charset="0"/>
+              </a:rPr>
+              <a:t>VueJS</a:t>
+            </a:r>
+            <a:endParaRPr lang="en-US" sz="1400" dirty="0" smtClean="0">
+              <a:latin typeface="Comic Sans MS" panose="030F0702030302020204" pitchFamily="66" charset="0"/>
+            </a:endParaRPr>
+          </a:p>
+          <a:p>
+            <a:pPr marL="742950" lvl="1" indent="-285750">
+              <a:lnSpc>
+                <a:spcPct val="150000"/>
+              </a:lnSpc>
+              <a:buFont typeface="Arial" panose="020B0604020202020204" pitchFamily="34" charset="0"/>
+              <a:buChar char="•"/>
+            </a:pPr>
+            <a:r>
+              <a:rPr lang="en-US" sz="1400" dirty="0" smtClean="0">
+                <a:latin typeface="Comic Sans MS" panose="030F0702030302020204" pitchFamily="66" charset="0"/>
+              </a:rPr>
+              <a:t>No AJAX</a:t>
+            </a:r>
+          </a:p>
+          <a:p>
+            <a:pPr marL="285750" indent="-285750">
+              <a:lnSpc>
+                <a:spcPct val="150000"/>
+              </a:lnSpc>
+              <a:buFont typeface="Arial" panose="020B0604020202020204" pitchFamily="34" charset="0"/>
+              <a:buChar char="•"/>
+            </a:pPr>
+            <a:r>
+              <a:rPr lang="en-US" sz="1400" dirty="0" err="1" smtClean="0">
+                <a:latin typeface="Comic Sans MS" panose="030F0702030302020204" pitchFamily="66" charset="0"/>
+              </a:rPr>
+              <a:t>EmberJS</a:t>
+            </a:r>
+            <a:endParaRPr lang="en-US" sz="1400" dirty="0" smtClean="0">
+              <a:latin typeface="Comic Sans MS" panose="030F0702030302020204" pitchFamily="66" charset="0"/>
+            </a:endParaRPr>
+          </a:p>
+          <a:p>
+            <a:pPr marL="742950" lvl="1" indent="-285750">
+              <a:lnSpc>
+                <a:spcPct val="150000"/>
+              </a:lnSpc>
+              <a:buFont typeface="Arial" panose="020B0604020202020204" pitchFamily="34" charset="0"/>
+              <a:buChar char="•"/>
+            </a:pPr>
+            <a:r>
+              <a:rPr lang="en-US" sz="1400" dirty="0" smtClean="0">
+                <a:latin typeface="Comic Sans MS" panose="030F0702030302020204" pitchFamily="66" charset="0"/>
+              </a:rPr>
+              <a:t>Adapter</a:t>
+            </a:r>
+          </a:p>
+          <a:p>
+            <a:pPr marL="1200150" lvl="2" indent="-285750">
+              <a:lnSpc>
+                <a:spcPct val="150000"/>
+              </a:lnSpc>
+              <a:buFont typeface="Arial" panose="020B0604020202020204" pitchFamily="34" charset="0"/>
+              <a:buChar char="•"/>
+            </a:pPr>
+            <a:r>
+              <a:rPr lang="en-US" sz="1400" dirty="0" err="1" smtClean="0">
+                <a:latin typeface="Comic Sans MS" panose="030F0702030302020204" pitchFamily="66" charset="0"/>
+              </a:rPr>
+              <a:t>RESTAdapter</a:t>
+            </a:r>
+            <a:endParaRPr lang="en-US" sz="1400" dirty="0" smtClean="0">
+              <a:latin typeface="Comic Sans MS" panose="030F0702030302020204" pitchFamily="66" charset="0"/>
+            </a:endParaRPr>
+          </a:p>
+          <a:p>
+            <a:pPr marL="1200150" lvl="2" indent="-285750">
+              <a:lnSpc>
+                <a:spcPct val="150000"/>
+              </a:lnSpc>
+              <a:buFont typeface="Arial" panose="020B0604020202020204" pitchFamily="34" charset="0"/>
+              <a:buChar char="•"/>
+            </a:pPr>
+            <a:r>
+              <a:rPr lang="en-US" sz="1400" dirty="0" err="1" smtClean="0">
+                <a:latin typeface="Comic Sans MS" panose="030F0702030302020204" pitchFamily="66" charset="0"/>
+              </a:rPr>
+              <a:t>JSONAPIAdapter</a:t>
+            </a:r>
+            <a:endParaRPr lang="en-US" sz="1400" dirty="0">
+              <a:latin typeface="Comic Sans MS" panose="030F0702030302020204" pitchFamily="66" charset="0"/>
+            </a:endParaRPr>
+          </a:p>
+          <a:p>
+            <a:pPr>
+              <a:lnSpc>
+                <a:spcPct val="120000"/>
+              </a:lnSpc>
+            </a:pPr>
+            <a:endParaRPr lang="en-US" dirty="0" err="1">
+              <a:solidFill>
+                <a:srgbClr val="444444"/>
+              </a:solidFill>
+              <a:latin typeface="Comic Sans MS" panose="030F0702030302020204" pitchFamily="66" charset="0"/>
+              <a:cs typeface="Trebuchet MS"/>
+            </a:endParaRPr>
+          </a:p>
+        </p:txBody>
+      </p:sp>
+    </p:spTree>
+    <p:extLst>
+      <p:ext uri="{BB962C8B-B14F-4D97-AF65-F5344CB8AC3E}">
+        <p14:creationId xmlns:p14="http://schemas.microsoft.com/office/powerpoint/2010/main" val="568544366"/>
+      </p:ext>
+    </p:extLst>
+  </p:cSld>
+  <p:clrMapOvr>
+    <a:masterClrMapping/>
+  </p:clrMapOvr>
+  <p:timing>
+    <p:tnLst>
+      <p:par>
+        <p:cTn id="1" dur="indefinite" restart="never" nodeType="tmRoot"/>
+      </p:par>
+    </p:tnLst>
+  </p:timing>
+</p:sld>
+</file>
+
+<file path=ppt/slides/slide26.xml><?xml version="1.0" encoding="utf-8"?>
+<p:sld xmlns:a="http://schemas.openxmlformats.org/drawingml/2006/main" xmlns:r="http://schemas.openxmlformats.org/officeDocument/2006/relationships" xmlns:p="http://schemas.openxmlformats.org/presentationml/2006/main">
+  <p:cSld>
+    <p:spTree>
+      <p:nvGrpSpPr>
+        <p:cNvPr id="1" name=""/>
+        <p:cNvGrpSpPr/>
+        <p:nvPr/>
+      </p:nvGrpSpPr>
+      <p:grpSpPr>
+        <a:xfrm>
+          <a:off x="0" y="0"/>
+          <a:ext cx="0" cy="0"/>
+          <a:chOff x="0" y="0"/>
+          <a:chExt cx="0" cy="0"/>
+        </a:xfrm>
+      </p:grpSpPr>
+      <p:sp>
+        <p:nvSpPr>
+          <p:cNvPr id="2" name="Text Placeholder 1"/>
+          <p:cNvSpPr>
+            <a:spLocks noGrp="1"/>
+          </p:cNvSpPr>
+          <p:nvPr>
+            <p:ph type="body" sz="quarter" idx="10"/>
+          </p:nvPr>
+        </p:nvSpPr>
+        <p:spPr/>
+        <p:txBody>
+          <a:bodyPr/>
+          <a:lstStyle/>
+          <a:p>
+            <a:endParaRPr lang="en-US"/>
+          </a:p>
+        </p:txBody>
+      </p:sp>
+      <p:sp>
+        <p:nvSpPr>
           <p:cNvPr id="3" name="Content Placeholder 2"/>
           <p:cNvSpPr>
             <a:spLocks noGrp="1"/>
@@ -28803,7 +29710,7 @@
 </p:sld>
 </file>
 
-<file path=ppt/slides/slide26.xml><?xml version="1.0" encoding="utf-8"?>
+<file path=ppt/slides/slide27.xml><?xml version="1.0" encoding="utf-8"?>
 <p:sld xmlns:a="http://schemas.openxmlformats.org/drawingml/2006/main" xmlns:r="http://schemas.openxmlformats.org/officeDocument/2006/relationships" xmlns:p="http://schemas.openxmlformats.org/presentationml/2006/main">
   <p:cSld>
     <p:bg>
@@ -28896,7 +29803,7 @@
 </p:sld>
 </file>
 
-<file path=ppt/slides/slide27.xml><?xml version="1.0" encoding="utf-8"?>
+<file path=ppt/slides/slide28.xml><?xml version="1.0" encoding="utf-8"?>
 <p:sld xmlns:a="http://schemas.openxmlformats.org/drawingml/2006/main" xmlns:r="http://schemas.openxmlformats.org/officeDocument/2006/relationships" xmlns:p="http://schemas.openxmlformats.org/presentationml/2006/main">
   <p:cSld>
     <p:bg>
@@ -34151,15 +35058,6 @@
 </file>
 
 <file path=customXml/item1.xml><?xml version="1.0" encoding="utf-8"?>
-<p:properties xmlns:p="http://schemas.microsoft.com/office/2006/metadata/properties" xmlns:xsi="http://www.w3.org/2001/XMLSchema-instance" xmlns:pc="http://schemas.microsoft.com/office/infopath/2007/PartnerControls">
-  <documentManagement>
-    <PublishingExpirationDate xmlns="http://schemas.microsoft.com/sharepoint/v3" xsi:nil="true"/>
-    <PublishingStartDate xmlns="http://schemas.microsoft.com/sharepoint/v3" xsi:nil="true"/>
-  </documentManagement>
-</p:properties>
-</file>
-
-<file path=customXml/item2.xml><?xml version="1.0" encoding="utf-8"?>
 <ct:contentTypeSchema xmlns:ct="http://schemas.microsoft.com/office/2006/metadata/contentType" xmlns:ma="http://schemas.microsoft.com/office/2006/metadata/properties/metaAttributes" ct:_="" ma:_="" ma:contentTypeName="Document" ma:contentTypeID="0x010100B0E9A4A7D20EA84CAA39F80EA2A19865" ma:contentTypeVersion="1" ma:contentTypeDescription="Create a new document." ma:contentTypeScope="" ma:versionID="4ed0c655cf5595f31b06ef1418ca28bf">
   <xsd:schema xmlns:xsd="http://www.w3.org/2001/XMLSchema" xmlns:xs="http://www.w3.org/2001/XMLSchema" xmlns:p="http://schemas.microsoft.com/office/2006/metadata/properties" xmlns:ns1="http://schemas.microsoft.com/sharepoint/v3" targetNamespace="http://schemas.microsoft.com/office/2006/metadata/properties" ma:root="true" ma:fieldsID="4dcce58c87e9fcebab8021569449a8d0" ns1:_="">
     <xsd:import namespace="http://schemas.microsoft.com/sharepoint/v3"/>
@@ -34291,6 +35189,15 @@
 </ct:contentTypeSchema>
 </file>
 
+<file path=customXml/item2.xml><?xml version="1.0" encoding="utf-8"?>
+<p:properties xmlns:p="http://schemas.microsoft.com/office/2006/metadata/properties" xmlns:xsi="http://www.w3.org/2001/XMLSchema-instance" xmlns:pc="http://schemas.microsoft.com/office/infopath/2007/PartnerControls">
+  <documentManagement>
+    <PublishingExpirationDate xmlns="http://schemas.microsoft.com/sharepoint/v3" xsi:nil="true"/>
+    <PublishingStartDate xmlns="http://schemas.microsoft.com/sharepoint/v3" xsi:nil="true"/>
+  </documentManagement>
+</p:properties>
+</file>
+
 <file path=customXml/item3.xml><?xml version="1.0" encoding="utf-8"?>
 <?mso-contentType ?>
 <FormTemplates xmlns="http://schemas.microsoft.com/sharepoint/v3/contenttype/forms">
@@ -34301,22 +35208,6 @@
 </file>
 
 <file path=customXml/itemProps1.xml><?xml version="1.0" encoding="utf-8"?>
-<ds:datastoreItem xmlns:ds="http://schemas.openxmlformats.org/officeDocument/2006/customXml" ds:itemID="{D5E3C081-4081-47AD-A9A6-9F18F525DA1D}">
-  <ds:schemaRefs>
-    <ds:schemaRef ds:uri="http://www.w3.org/XML/1998/namespace"/>
-    <ds:schemaRef ds:uri="http://purl.org/dc/elements/1.1/"/>
-    <ds:schemaRef ds:uri="http://schemas.microsoft.com/office/2006/documentManagement/types"/>
-    <ds:schemaRef ds:uri="http://schemas.microsoft.com/office/2006/metadata/properties"/>
-    <ds:schemaRef ds:uri="http://schemas.microsoft.com/sharepoint/v3"/>
-    <ds:schemaRef ds:uri="http://schemas.microsoft.com/office/infopath/2007/PartnerControls"/>
-    <ds:schemaRef ds:uri="http://schemas.openxmlformats.org/package/2006/metadata/core-properties"/>
-    <ds:schemaRef ds:uri="http://purl.org/dc/dcmitype/"/>
-    <ds:schemaRef ds:uri="http://purl.org/dc/terms/"/>
-  </ds:schemaRefs>
-</ds:datastoreItem>
-</file>
-
-<file path=customXml/itemProps2.xml><?xml version="1.0" encoding="utf-8"?>
 <ds:datastoreItem xmlns:ds="http://schemas.openxmlformats.org/officeDocument/2006/customXml" ds:itemID="{C3A1A37E-F8E3-427A-BCE9-B1DDB8B96CDF}">
   <ds:schemaRefs>
     <ds:schemaRef ds:uri="http://schemas.microsoft.com/office/2006/metadata/contentType"/>
@@ -34334,6 +35225,22 @@
 </ds:datastoreItem>
 </file>
 
+<file path=customXml/itemProps2.xml><?xml version="1.0" encoding="utf-8"?>
+<ds:datastoreItem xmlns:ds="http://schemas.openxmlformats.org/officeDocument/2006/customXml" ds:itemID="{D5E3C081-4081-47AD-A9A6-9F18F525DA1D}">
+  <ds:schemaRefs>
+    <ds:schemaRef ds:uri="http://www.w3.org/XML/1998/namespace"/>
+    <ds:schemaRef ds:uri="http://purl.org/dc/elements/1.1/"/>
+    <ds:schemaRef ds:uri="http://schemas.microsoft.com/office/2006/documentManagement/types"/>
+    <ds:schemaRef ds:uri="http://schemas.microsoft.com/office/2006/metadata/properties"/>
+    <ds:schemaRef ds:uri="http://schemas.microsoft.com/sharepoint/v3"/>
+    <ds:schemaRef ds:uri="http://schemas.microsoft.com/office/infopath/2007/PartnerControls"/>
+    <ds:schemaRef ds:uri="http://schemas.openxmlformats.org/package/2006/metadata/core-properties"/>
+    <ds:schemaRef ds:uri="http://purl.org/dc/dcmitype/"/>
+    <ds:schemaRef ds:uri="http://purl.org/dc/terms/"/>
+  </ds:schemaRefs>
+</ds:datastoreItem>
+</file>
+
 <file path=customXml/itemProps3.xml><?xml version="1.0" encoding="utf-8"?>
 <ds:datastoreItem xmlns:ds="http://schemas.openxmlformats.org/officeDocument/2006/customXml" ds:itemID="{14883F0F-DE57-4ECA-B9BB-F22E8C5B5D82}">
   <ds:schemaRefs>
